--- a/ppt 16-9/1438.信奉主名有永.pptx
+++ b/ppt 16-9/1438.信奉主名有永.pptx
@@ -5,7 +5,7 @@
     <p:sldMasterId id="2147483648" r:id="rId1"/>
   </p:sldMasterIdLst>
   <p:sldIdLst>
-    <p:sldId id="1009" r:id="rId2"/>
+    <p:sldId id="1010" r:id="rId2"/>
   </p:sldIdLst>
   <p:sldSz cx="12192000" cy="6858000"/>
   <p:notesSz cx="6858000" cy="9144000"/>
@@ -129,7 +129,7 @@
           <p:cNvPr id="2" name="标题 1">
             <a:extLst>
               <a:ext uri="{FF2B5EF4-FFF2-40B4-BE49-F238E27FC236}">
-                <a16:creationId xmlns:a16="http://schemas.microsoft.com/office/drawing/2014/main" id="{8A4B1036-3044-686A-60F5-E3D530DD1661}"/>
+                <a16:creationId xmlns:a16="http://schemas.microsoft.com/office/drawing/2014/main" id="{748090C6-1DB0-7AB7-A1B5-DE56FBB68CDD}"/>
               </a:ext>
             </a:extLst>
           </p:cNvPr>
@@ -166,7 +166,7 @@
           <p:cNvPr id="3" name="副标题 2">
             <a:extLst>
               <a:ext uri="{FF2B5EF4-FFF2-40B4-BE49-F238E27FC236}">
-                <a16:creationId xmlns:a16="http://schemas.microsoft.com/office/drawing/2014/main" id="{989D5EAB-FCF2-9394-C74F-599B08DFAFDB}"/>
+                <a16:creationId xmlns:a16="http://schemas.microsoft.com/office/drawing/2014/main" id="{3F74D40B-4DCE-EEA9-541C-610022CFA289}"/>
               </a:ext>
             </a:extLst>
           </p:cNvPr>
@@ -236,7 +236,7 @@
           <p:cNvPr id="4" name="日期占位符 3">
             <a:extLst>
               <a:ext uri="{FF2B5EF4-FFF2-40B4-BE49-F238E27FC236}">
-                <a16:creationId xmlns:a16="http://schemas.microsoft.com/office/drawing/2014/main" id="{733CD81C-6BC1-D563-46C9-7A732D65F3C5}"/>
+                <a16:creationId xmlns:a16="http://schemas.microsoft.com/office/drawing/2014/main" id="{824F2590-DF21-79F2-6B67-1579640F8DB9}"/>
               </a:ext>
             </a:extLst>
           </p:cNvPr>
@@ -252,7 +252,7 @@
           <a:bodyPr/>
           <a:lstStyle/>
           <a:p>
-            <a:fld id="{C259B456-F7F9-4C5C-A112-F6D12A891093}" type="datetimeFigureOut">
+            <a:fld id="{53AB1D5A-2729-49E6-9993-AD376D288172}" type="datetimeFigureOut">
               <a:rPr lang="zh-CN" altLang="en-US" smtClean="0"/>
               <a:t>2024/3/10</a:t>
             </a:fld>
@@ -265,7 +265,7 @@
           <p:cNvPr id="5" name="页脚占位符 4">
             <a:extLst>
               <a:ext uri="{FF2B5EF4-FFF2-40B4-BE49-F238E27FC236}">
-                <a16:creationId xmlns:a16="http://schemas.microsoft.com/office/drawing/2014/main" id="{958521D6-3276-A4DA-DA68-4C29525BD898}"/>
+                <a16:creationId xmlns:a16="http://schemas.microsoft.com/office/drawing/2014/main" id="{6A422C75-3B5D-E152-DD64-D1F83006A96A}"/>
               </a:ext>
             </a:extLst>
           </p:cNvPr>
@@ -290,7 +290,7 @@
           <p:cNvPr id="6" name="灯片编号占位符 5">
             <a:extLst>
               <a:ext uri="{FF2B5EF4-FFF2-40B4-BE49-F238E27FC236}">
-                <a16:creationId xmlns:a16="http://schemas.microsoft.com/office/drawing/2014/main" id="{47F7A4A1-92BE-4606-3E0F-2396AE39A064}"/>
+                <a16:creationId xmlns:a16="http://schemas.microsoft.com/office/drawing/2014/main" id="{AAEFAEE2-BD1F-D74E-45B7-A1789C592314}"/>
               </a:ext>
             </a:extLst>
           </p:cNvPr>
@@ -306,7 +306,7 @@
           <a:bodyPr/>
           <a:lstStyle/>
           <a:p>
-            <a:fld id="{0F39D218-857E-43BE-A5CE-1D9A8D5E7F10}" type="slidenum">
+            <a:fld id="{46A1710B-950D-492C-AB16-7F655B3903CD}" type="slidenum">
               <a:rPr lang="zh-CN" altLang="en-US" smtClean="0"/>
               <a:t>‹#›</a:t>
             </a:fld>
@@ -317,7 +317,7 @@
     </p:spTree>
     <p:extLst>
       <p:ext uri="{BB962C8B-B14F-4D97-AF65-F5344CB8AC3E}">
-        <p14:creationId xmlns:p14="http://schemas.microsoft.com/office/powerpoint/2010/main" val="1091978350"/>
+        <p14:creationId xmlns:p14="http://schemas.microsoft.com/office/powerpoint/2010/main" val="3005495107"/>
       </p:ext>
     </p:extLst>
   </p:cSld>
@@ -349,7 +349,7 @@
           <p:cNvPr id="2" name="标题 1">
             <a:extLst>
               <a:ext uri="{FF2B5EF4-FFF2-40B4-BE49-F238E27FC236}">
-                <a16:creationId xmlns:a16="http://schemas.microsoft.com/office/drawing/2014/main" id="{257C6360-FEC2-0AF8-90C2-F2DF13309E6D}"/>
+                <a16:creationId xmlns:a16="http://schemas.microsoft.com/office/drawing/2014/main" id="{7A13A396-6A4E-37B4-7AC6-DC0EF00A9180}"/>
               </a:ext>
             </a:extLst>
           </p:cNvPr>
@@ -377,7 +377,7 @@
           <p:cNvPr id="3" name="竖排文字占位符 2">
             <a:extLst>
               <a:ext uri="{FF2B5EF4-FFF2-40B4-BE49-F238E27FC236}">
-                <a16:creationId xmlns:a16="http://schemas.microsoft.com/office/drawing/2014/main" id="{1A342791-94C3-29A9-D7F6-EEC4C39DBB42}"/>
+                <a16:creationId xmlns:a16="http://schemas.microsoft.com/office/drawing/2014/main" id="{90E80873-6638-8F95-85A9-785A73B12C90}"/>
               </a:ext>
             </a:extLst>
           </p:cNvPr>
@@ -434,7 +434,7 @@
           <p:cNvPr id="4" name="日期占位符 3">
             <a:extLst>
               <a:ext uri="{FF2B5EF4-FFF2-40B4-BE49-F238E27FC236}">
-                <a16:creationId xmlns:a16="http://schemas.microsoft.com/office/drawing/2014/main" id="{856E9129-D7A6-5129-BE83-FBB1A9052A16}"/>
+                <a16:creationId xmlns:a16="http://schemas.microsoft.com/office/drawing/2014/main" id="{5BE06248-ED7A-8FEB-068A-0AD3AE285811}"/>
               </a:ext>
             </a:extLst>
           </p:cNvPr>
@@ -450,7 +450,7 @@
           <a:bodyPr/>
           <a:lstStyle/>
           <a:p>
-            <a:fld id="{C259B456-F7F9-4C5C-A112-F6D12A891093}" type="datetimeFigureOut">
+            <a:fld id="{53AB1D5A-2729-49E6-9993-AD376D288172}" type="datetimeFigureOut">
               <a:rPr lang="zh-CN" altLang="en-US" smtClean="0"/>
               <a:t>2024/3/10</a:t>
             </a:fld>
@@ -463,7 +463,7 @@
           <p:cNvPr id="5" name="页脚占位符 4">
             <a:extLst>
               <a:ext uri="{FF2B5EF4-FFF2-40B4-BE49-F238E27FC236}">
-                <a16:creationId xmlns:a16="http://schemas.microsoft.com/office/drawing/2014/main" id="{B8FB6EF3-4861-1C18-6141-DA61454BA717}"/>
+                <a16:creationId xmlns:a16="http://schemas.microsoft.com/office/drawing/2014/main" id="{71C0B0F8-4B72-DECF-BB94-4BAD7BAE2CB4}"/>
               </a:ext>
             </a:extLst>
           </p:cNvPr>
@@ -488,7 +488,7 @@
           <p:cNvPr id="6" name="灯片编号占位符 5">
             <a:extLst>
               <a:ext uri="{FF2B5EF4-FFF2-40B4-BE49-F238E27FC236}">
-                <a16:creationId xmlns:a16="http://schemas.microsoft.com/office/drawing/2014/main" id="{3678FF9F-7B5B-84BF-1D4D-0DA6E11E0165}"/>
+                <a16:creationId xmlns:a16="http://schemas.microsoft.com/office/drawing/2014/main" id="{AC138C72-1F73-4068-E410-9AB4C0C91630}"/>
               </a:ext>
             </a:extLst>
           </p:cNvPr>
@@ -504,7 +504,7 @@
           <a:bodyPr/>
           <a:lstStyle/>
           <a:p>
-            <a:fld id="{0F39D218-857E-43BE-A5CE-1D9A8D5E7F10}" type="slidenum">
+            <a:fld id="{46A1710B-950D-492C-AB16-7F655B3903CD}" type="slidenum">
               <a:rPr lang="zh-CN" altLang="en-US" smtClean="0"/>
               <a:t>‹#›</a:t>
             </a:fld>
@@ -515,7 +515,7 @@
     </p:spTree>
     <p:extLst>
       <p:ext uri="{BB962C8B-B14F-4D97-AF65-F5344CB8AC3E}">
-        <p14:creationId xmlns:p14="http://schemas.microsoft.com/office/powerpoint/2010/main" val="4290164910"/>
+        <p14:creationId xmlns:p14="http://schemas.microsoft.com/office/powerpoint/2010/main" val="570218812"/>
       </p:ext>
     </p:extLst>
   </p:cSld>
@@ -547,7 +547,7 @@
           <p:cNvPr id="2" name="竖排标题 1">
             <a:extLst>
               <a:ext uri="{FF2B5EF4-FFF2-40B4-BE49-F238E27FC236}">
-                <a16:creationId xmlns:a16="http://schemas.microsoft.com/office/drawing/2014/main" id="{A4BF1F0A-7647-FD8F-63D0-C69DCE966A5B}"/>
+                <a16:creationId xmlns:a16="http://schemas.microsoft.com/office/drawing/2014/main" id="{84207617-32BB-D2D7-7704-669DEE248CA6}"/>
               </a:ext>
             </a:extLst>
           </p:cNvPr>
@@ -580,7 +580,7 @@
           <p:cNvPr id="3" name="竖排文字占位符 2">
             <a:extLst>
               <a:ext uri="{FF2B5EF4-FFF2-40B4-BE49-F238E27FC236}">
-                <a16:creationId xmlns:a16="http://schemas.microsoft.com/office/drawing/2014/main" id="{D8E78578-5861-66A0-9C33-1E4A6E4D3966}"/>
+                <a16:creationId xmlns:a16="http://schemas.microsoft.com/office/drawing/2014/main" id="{8C61B9E7-8BCC-BE39-449D-FF4638234CA9}"/>
               </a:ext>
             </a:extLst>
           </p:cNvPr>
@@ -642,7 +642,7 @@
           <p:cNvPr id="4" name="日期占位符 3">
             <a:extLst>
               <a:ext uri="{FF2B5EF4-FFF2-40B4-BE49-F238E27FC236}">
-                <a16:creationId xmlns:a16="http://schemas.microsoft.com/office/drawing/2014/main" id="{39D613D1-2502-68BB-4140-B7FE2297DAB4}"/>
+                <a16:creationId xmlns:a16="http://schemas.microsoft.com/office/drawing/2014/main" id="{19AB3A80-C9C4-F9BE-1265-23A8C108664E}"/>
               </a:ext>
             </a:extLst>
           </p:cNvPr>
@@ -658,7 +658,7 @@
           <a:bodyPr/>
           <a:lstStyle/>
           <a:p>
-            <a:fld id="{C259B456-F7F9-4C5C-A112-F6D12A891093}" type="datetimeFigureOut">
+            <a:fld id="{53AB1D5A-2729-49E6-9993-AD376D288172}" type="datetimeFigureOut">
               <a:rPr lang="zh-CN" altLang="en-US" smtClean="0"/>
               <a:t>2024/3/10</a:t>
             </a:fld>
@@ -671,7 +671,7 @@
           <p:cNvPr id="5" name="页脚占位符 4">
             <a:extLst>
               <a:ext uri="{FF2B5EF4-FFF2-40B4-BE49-F238E27FC236}">
-                <a16:creationId xmlns:a16="http://schemas.microsoft.com/office/drawing/2014/main" id="{2D1FFB9C-8140-CA61-22FC-938EFD988654}"/>
+                <a16:creationId xmlns:a16="http://schemas.microsoft.com/office/drawing/2014/main" id="{A0E28289-EB2D-CCF4-F118-762295988400}"/>
               </a:ext>
             </a:extLst>
           </p:cNvPr>
@@ -696,7 +696,7 @@
           <p:cNvPr id="6" name="灯片编号占位符 5">
             <a:extLst>
               <a:ext uri="{FF2B5EF4-FFF2-40B4-BE49-F238E27FC236}">
-                <a16:creationId xmlns:a16="http://schemas.microsoft.com/office/drawing/2014/main" id="{4C82C338-5428-B787-7141-4797536445FA}"/>
+                <a16:creationId xmlns:a16="http://schemas.microsoft.com/office/drawing/2014/main" id="{D4C9321B-4548-47CA-1FC3-B914FBF298BC}"/>
               </a:ext>
             </a:extLst>
           </p:cNvPr>
@@ -712,7 +712,7 @@
           <a:bodyPr/>
           <a:lstStyle/>
           <a:p>
-            <a:fld id="{0F39D218-857E-43BE-A5CE-1D9A8D5E7F10}" type="slidenum">
+            <a:fld id="{46A1710B-950D-492C-AB16-7F655B3903CD}" type="slidenum">
               <a:rPr lang="zh-CN" altLang="en-US" smtClean="0"/>
               <a:t>‹#›</a:t>
             </a:fld>
@@ -723,7 +723,7 @@
     </p:spTree>
     <p:extLst>
       <p:ext uri="{BB962C8B-B14F-4D97-AF65-F5344CB8AC3E}">
-        <p14:creationId xmlns:p14="http://schemas.microsoft.com/office/powerpoint/2010/main" val="2247732983"/>
+        <p14:creationId xmlns:p14="http://schemas.microsoft.com/office/powerpoint/2010/main" val="4054195426"/>
       </p:ext>
     </p:extLst>
   </p:cSld>
@@ -755,7 +755,7 @@
           <p:cNvPr id="2" name="标题 1">
             <a:extLst>
               <a:ext uri="{FF2B5EF4-FFF2-40B4-BE49-F238E27FC236}">
-                <a16:creationId xmlns:a16="http://schemas.microsoft.com/office/drawing/2014/main" id="{4B98BBCE-D1BC-E930-33FC-3E72F25C5055}"/>
+                <a16:creationId xmlns:a16="http://schemas.microsoft.com/office/drawing/2014/main" id="{10B54BD2-4AE5-D67D-7C24-91A771F0208A}"/>
               </a:ext>
             </a:extLst>
           </p:cNvPr>
@@ -783,7 +783,7 @@
           <p:cNvPr id="3" name="内容占位符 2">
             <a:extLst>
               <a:ext uri="{FF2B5EF4-FFF2-40B4-BE49-F238E27FC236}">
-                <a16:creationId xmlns:a16="http://schemas.microsoft.com/office/drawing/2014/main" id="{88B5472D-C246-6C2C-0FB0-8AAAB27288E5}"/>
+                <a16:creationId xmlns:a16="http://schemas.microsoft.com/office/drawing/2014/main" id="{C9501F68-AC23-25C3-809A-E215CF891150}"/>
               </a:ext>
             </a:extLst>
           </p:cNvPr>
@@ -840,7 +840,7 @@
           <p:cNvPr id="4" name="日期占位符 3">
             <a:extLst>
               <a:ext uri="{FF2B5EF4-FFF2-40B4-BE49-F238E27FC236}">
-                <a16:creationId xmlns:a16="http://schemas.microsoft.com/office/drawing/2014/main" id="{86EFC29D-D2AF-F10F-462F-E1B0F708D92B}"/>
+                <a16:creationId xmlns:a16="http://schemas.microsoft.com/office/drawing/2014/main" id="{7D2B5A95-38A6-9846-9C37-DEA673AE2398}"/>
               </a:ext>
             </a:extLst>
           </p:cNvPr>
@@ -856,7 +856,7 @@
           <a:bodyPr/>
           <a:lstStyle/>
           <a:p>
-            <a:fld id="{C259B456-F7F9-4C5C-A112-F6D12A891093}" type="datetimeFigureOut">
+            <a:fld id="{53AB1D5A-2729-49E6-9993-AD376D288172}" type="datetimeFigureOut">
               <a:rPr lang="zh-CN" altLang="en-US" smtClean="0"/>
               <a:t>2024/3/10</a:t>
             </a:fld>
@@ -869,7 +869,7 @@
           <p:cNvPr id="5" name="页脚占位符 4">
             <a:extLst>
               <a:ext uri="{FF2B5EF4-FFF2-40B4-BE49-F238E27FC236}">
-                <a16:creationId xmlns:a16="http://schemas.microsoft.com/office/drawing/2014/main" id="{1E985DE0-9CBF-3B33-A02A-2086F5728FBA}"/>
+                <a16:creationId xmlns:a16="http://schemas.microsoft.com/office/drawing/2014/main" id="{A8D558F9-9D4A-7E85-6A66-EAA29870DB3A}"/>
               </a:ext>
             </a:extLst>
           </p:cNvPr>
@@ -894,7 +894,7 @@
           <p:cNvPr id="6" name="灯片编号占位符 5">
             <a:extLst>
               <a:ext uri="{FF2B5EF4-FFF2-40B4-BE49-F238E27FC236}">
-                <a16:creationId xmlns:a16="http://schemas.microsoft.com/office/drawing/2014/main" id="{9BB3BBF6-A91D-6D1F-FB4F-4BDDDFACA19A}"/>
+                <a16:creationId xmlns:a16="http://schemas.microsoft.com/office/drawing/2014/main" id="{FBEF72D2-762B-FAC9-E8B9-82258410BE77}"/>
               </a:ext>
             </a:extLst>
           </p:cNvPr>
@@ -910,7 +910,7 @@
           <a:bodyPr/>
           <a:lstStyle/>
           <a:p>
-            <a:fld id="{0F39D218-857E-43BE-A5CE-1D9A8D5E7F10}" type="slidenum">
+            <a:fld id="{46A1710B-950D-492C-AB16-7F655B3903CD}" type="slidenum">
               <a:rPr lang="zh-CN" altLang="en-US" smtClean="0"/>
               <a:t>‹#›</a:t>
             </a:fld>
@@ -921,7 +921,7 @@
     </p:spTree>
     <p:extLst>
       <p:ext uri="{BB962C8B-B14F-4D97-AF65-F5344CB8AC3E}">
-        <p14:creationId xmlns:p14="http://schemas.microsoft.com/office/powerpoint/2010/main" val="1806681580"/>
+        <p14:creationId xmlns:p14="http://schemas.microsoft.com/office/powerpoint/2010/main" val="1735903837"/>
       </p:ext>
     </p:extLst>
   </p:cSld>
@@ -953,7 +953,7 @@
           <p:cNvPr id="2" name="标题 1">
             <a:extLst>
               <a:ext uri="{FF2B5EF4-FFF2-40B4-BE49-F238E27FC236}">
-                <a16:creationId xmlns:a16="http://schemas.microsoft.com/office/drawing/2014/main" id="{654180DD-DF24-0E3E-F0BB-337D3C9142F8}"/>
+                <a16:creationId xmlns:a16="http://schemas.microsoft.com/office/drawing/2014/main" id="{98ABBBCC-8D44-4835-22D7-410BD7F4EFBA}"/>
               </a:ext>
             </a:extLst>
           </p:cNvPr>
@@ -990,7 +990,7 @@
           <p:cNvPr id="3" name="文本占位符 2">
             <a:extLst>
               <a:ext uri="{FF2B5EF4-FFF2-40B4-BE49-F238E27FC236}">
-                <a16:creationId xmlns:a16="http://schemas.microsoft.com/office/drawing/2014/main" id="{A8023A4A-2AB4-AB64-614E-E8CC8168D04C}"/>
+                <a16:creationId xmlns:a16="http://schemas.microsoft.com/office/drawing/2014/main" id="{2093D287-5AF8-C91D-3A58-A9C6AA6FA0D6}"/>
               </a:ext>
             </a:extLst>
           </p:cNvPr>
@@ -1115,7 +1115,7 @@
           <p:cNvPr id="4" name="日期占位符 3">
             <a:extLst>
               <a:ext uri="{FF2B5EF4-FFF2-40B4-BE49-F238E27FC236}">
-                <a16:creationId xmlns:a16="http://schemas.microsoft.com/office/drawing/2014/main" id="{0238EE57-AED1-7FFC-9AC4-A4BFF2278CE5}"/>
+                <a16:creationId xmlns:a16="http://schemas.microsoft.com/office/drawing/2014/main" id="{2392BF15-8A93-CDFB-6D82-5E82AF8A5C18}"/>
               </a:ext>
             </a:extLst>
           </p:cNvPr>
@@ -1131,7 +1131,7 @@
           <a:bodyPr/>
           <a:lstStyle/>
           <a:p>
-            <a:fld id="{C259B456-F7F9-4C5C-A112-F6D12A891093}" type="datetimeFigureOut">
+            <a:fld id="{53AB1D5A-2729-49E6-9993-AD376D288172}" type="datetimeFigureOut">
               <a:rPr lang="zh-CN" altLang="en-US" smtClean="0"/>
               <a:t>2024/3/10</a:t>
             </a:fld>
@@ -1144,7 +1144,7 @@
           <p:cNvPr id="5" name="页脚占位符 4">
             <a:extLst>
               <a:ext uri="{FF2B5EF4-FFF2-40B4-BE49-F238E27FC236}">
-                <a16:creationId xmlns:a16="http://schemas.microsoft.com/office/drawing/2014/main" id="{2CF30395-390B-850E-C792-06E3CCD6AA00}"/>
+                <a16:creationId xmlns:a16="http://schemas.microsoft.com/office/drawing/2014/main" id="{BBF0FBD0-604C-BBD3-A25F-C474FB2008F8}"/>
               </a:ext>
             </a:extLst>
           </p:cNvPr>
@@ -1169,7 +1169,7 @@
           <p:cNvPr id="6" name="灯片编号占位符 5">
             <a:extLst>
               <a:ext uri="{FF2B5EF4-FFF2-40B4-BE49-F238E27FC236}">
-                <a16:creationId xmlns:a16="http://schemas.microsoft.com/office/drawing/2014/main" id="{8779993D-7C02-DBF0-EB77-2361C9DC7C13}"/>
+                <a16:creationId xmlns:a16="http://schemas.microsoft.com/office/drawing/2014/main" id="{380DA5ED-4C87-9841-5AB1-E96CB6718B0B}"/>
               </a:ext>
             </a:extLst>
           </p:cNvPr>
@@ -1185,7 +1185,7 @@
           <a:bodyPr/>
           <a:lstStyle/>
           <a:p>
-            <a:fld id="{0F39D218-857E-43BE-A5CE-1D9A8D5E7F10}" type="slidenum">
+            <a:fld id="{46A1710B-950D-492C-AB16-7F655B3903CD}" type="slidenum">
               <a:rPr lang="zh-CN" altLang="en-US" smtClean="0"/>
               <a:t>‹#›</a:t>
             </a:fld>
@@ -1196,7 +1196,7 @@
     </p:spTree>
     <p:extLst>
       <p:ext uri="{BB962C8B-B14F-4D97-AF65-F5344CB8AC3E}">
-        <p14:creationId xmlns:p14="http://schemas.microsoft.com/office/powerpoint/2010/main" val="1471066403"/>
+        <p14:creationId xmlns:p14="http://schemas.microsoft.com/office/powerpoint/2010/main" val="541958929"/>
       </p:ext>
     </p:extLst>
   </p:cSld>
@@ -1228,7 +1228,7 @@
           <p:cNvPr id="2" name="标题 1">
             <a:extLst>
               <a:ext uri="{FF2B5EF4-FFF2-40B4-BE49-F238E27FC236}">
-                <a16:creationId xmlns:a16="http://schemas.microsoft.com/office/drawing/2014/main" id="{562ADD23-CEE5-CEB9-2355-239109A635E2}"/>
+                <a16:creationId xmlns:a16="http://schemas.microsoft.com/office/drawing/2014/main" id="{144A8484-E5FE-8D99-0EEC-4AFCC2C337CD}"/>
               </a:ext>
             </a:extLst>
           </p:cNvPr>
@@ -1256,7 +1256,7 @@
           <p:cNvPr id="3" name="内容占位符 2">
             <a:extLst>
               <a:ext uri="{FF2B5EF4-FFF2-40B4-BE49-F238E27FC236}">
-                <a16:creationId xmlns:a16="http://schemas.microsoft.com/office/drawing/2014/main" id="{B2031025-C3B3-9BEA-6480-E3162FC6142A}"/>
+                <a16:creationId xmlns:a16="http://schemas.microsoft.com/office/drawing/2014/main" id="{AAC5D8C8-5D75-5251-9C5B-8FB5E31DBFD2}"/>
               </a:ext>
             </a:extLst>
           </p:cNvPr>
@@ -1318,7 +1318,7 @@
           <p:cNvPr id="4" name="内容占位符 3">
             <a:extLst>
               <a:ext uri="{FF2B5EF4-FFF2-40B4-BE49-F238E27FC236}">
-                <a16:creationId xmlns:a16="http://schemas.microsoft.com/office/drawing/2014/main" id="{32D21F83-076A-176C-2294-DC0B97C793DB}"/>
+                <a16:creationId xmlns:a16="http://schemas.microsoft.com/office/drawing/2014/main" id="{0DB1DD53-8E15-302A-39F2-4D4B227D3E0E}"/>
               </a:ext>
             </a:extLst>
           </p:cNvPr>
@@ -1380,7 +1380,7 @@
           <p:cNvPr id="5" name="日期占位符 4">
             <a:extLst>
               <a:ext uri="{FF2B5EF4-FFF2-40B4-BE49-F238E27FC236}">
-                <a16:creationId xmlns:a16="http://schemas.microsoft.com/office/drawing/2014/main" id="{2879EB1A-EC6E-D5B4-3CC0-B6831D422B94}"/>
+                <a16:creationId xmlns:a16="http://schemas.microsoft.com/office/drawing/2014/main" id="{C736EFCD-BC86-26C6-848B-AD72D4F62A5A}"/>
               </a:ext>
             </a:extLst>
           </p:cNvPr>
@@ -1396,7 +1396,7 @@
           <a:bodyPr/>
           <a:lstStyle/>
           <a:p>
-            <a:fld id="{C259B456-F7F9-4C5C-A112-F6D12A891093}" type="datetimeFigureOut">
+            <a:fld id="{53AB1D5A-2729-49E6-9993-AD376D288172}" type="datetimeFigureOut">
               <a:rPr lang="zh-CN" altLang="en-US" smtClean="0"/>
               <a:t>2024/3/10</a:t>
             </a:fld>
@@ -1409,7 +1409,7 @@
           <p:cNvPr id="6" name="页脚占位符 5">
             <a:extLst>
               <a:ext uri="{FF2B5EF4-FFF2-40B4-BE49-F238E27FC236}">
-                <a16:creationId xmlns:a16="http://schemas.microsoft.com/office/drawing/2014/main" id="{37F652C0-9812-40C7-0957-4B03AF6AA146}"/>
+                <a16:creationId xmlns:a16="http://schemas.microsoft.com/office/drawing/2014/main" id="{1CE60D34-8F48-64EA-AA97-E1E3AF49EE24}"/>
               </a:ext>
             </a:extLst>
           </p:cNvPr>
@@ -1434,7 +1434,7 @@
           <p:cNvPr id="7" name="灯片编号占位符 6">
             <a:extLst>
               <a:ext uri="{FF2B5EF4-FFF2-40B4-BE49-F238E27FC236}">
-                <a16:creationId xmlns:a16="http://schemas.microsoft.com/office/drawing/2014/main" id="{B0F3A30C-BD9B-7A42-0FB7-3AA6AD069B52}"/>
+                <a16:creationId xmlns:a16="http://schemas.microsoft.com/office/drawing/2014/main" id="{2C9D4AAF-0006-1493-E51E-7803363390ED}"/>
               </a:ext>
             </a:extLst>
           </p:cNvPr>
@@ -1450,7 +1450,7 @@
           <a:bodyPr/>
           <a:lstStyle/>
           <a:p>
-            <a:fld id="{0F39D218-857E-43BE-A5CE-1D9A8D5E7F10}" type="slidenum">
+            <a:fld id="{46A1710B-950D-492C-AB16-7F655B3903CD}" type="slidenum">
               <a:rPr lang="zh-CN" altLang="en-US" smtClean="0"/>
               <a:t>‹#›</a:t>
             </a:fld>
@@ -1461,7 +1461,7 @@
     </p:spTree>
     <p:extLst>
       <p:ext uri="{BB962C8B-B14F-4D97-AF65-F5344CB8AC3E}">
-        <p14:creationId xmlns:p14="http://schemas.microsoft.com/office/powerpoint/2010/main" val="3288295712"/>
+        <p14:creationId xmlns:p14="http://schemas.microsoft.com/office/powerpoint/2010/main" val="591666929"/>
       </p:ext>
     </p:extLst>
   </p:cSld>
@@ -1493,7 +1493,7 @@
           <p:cNvPr id="2" name="标题 1">
             <a:extLst>
               <a:ext uri="{FF2B5EF4-FFF2-40B4-BE49-F238E27FC236}">
-                <a16:creationId xmlns:a16="http://schemas.microsoft.com/office/drawing/2014/main" id="{907C30A5-0AB2-FCC1-83AD-E4608F0BE2C9}"/>
+                <a16:creationId xmlns:a16="http://schemas.microsoft.com/office/drawing/2014/main" id="{F7DFA62F-DE1E-0359-DF65-1B272F7106E4}"/>
               </a:ext>
             </a:extLst>
           </p:cNvPr>
@@ -1526,7 +1526,7 @@
           <p:cNvPr id="3" name="文本占位符 2">
             <a:extLst>
               <a:ext uri="{FF2B5EF4-FFF2-40B4-BE49-F238E27FC236}">
-                <a16:creationId xmlns:a16="http://schemas.microsoft.com/office/drawing/2014/main" id="{58C28F4A-AEB5-7473-9800-1FF43DDA0904}"/>
+                <a16:creationId xmlns:a16="http://schemas.microsoft.com/office/drawing/2014/main" id="{F5B85A03-F0B1-645A-B7D9-B038867030DB}"/>
               </a:ext>
             </a:extLst>
           </p:cNvPr>
@@ -1597,7 +1597,7 @@
           <p:cNvPr id="4" name="内容占位符 3">
             <a:extLst>
               <a:ext uri="{FF2B5EF4-FFF2-40B4-BE49-F238E27FC236}">
-                <a16:creationId xmlns:a16="http://schemas.microsoft.com/office/drawing/2014/main" id="{0CE6D28C-EA63-2F6F-8502-8A6D2B8DB61D}"/>
+                <a16:creationId xmlns:a16="http://schemas.microsoft.com/office/drawing/2014/main" id="{BE7937CD-C2D7-7FC1-CB58-1CAFB2C69893}"/>
               </a:ext>
             </a:extLst>
           </p:cNvPr>
@@ -1659,7 +1659,7 @@
           <p:cNvPr id="5" name="文本占位符 4">
             <a:extLst>
               <a:ext uri="{FF2B5EF4-FFF2-40B4-BE49-F238E27FC236}">
-                <a16:creationId xmlns:a16="http://schemas.microsoft.com/office/drawing/2014/main" id="{7EC803B0-3B5E-1AE0-A40F-9124345A12AE}"/>
+                <a16:creationId xmlns:a16="http://schemas.microsoft.com/office/drawing/2014/main" id="{D4FDCECA-B240-125C-BD1F-09107F83922B}"/>
               </a:ext>
             </a:extLst>
           </p:cNvPr>
@@ -1730,7 +1730,7 @@
           <p:cNvPr id="6" name="内容占位符 5">
             <a:extLst>
               <a:ext uri="{FF2B5EF4-FFF2-40B4-BE49-F238E27FC236}">
-                <a16:creationId xmlns:a16="http://schemas.microsoft.com/office/drawing/2014/main" id="{E43F6C66-0924-92C5-4139-BBC4DE144A84}"/>
+                <a16:creationId xmlns:a16="http://schemas.microsoft.com/office/drawing/2014/main" id="{7C209416-FC51-5252-6B06-028608A360F2}"/>
               </a:ext>
             </a:extLst>
           </p:cNvPr>
@@ -1792,7 +1792,7 @@
           <p:cNvPr id="7" name="日期占位符 6">
             <a:extLst>
               <a:ext uri="{FF2B5EF4-FFF2-40B4-BE49-F238E27FC236}">
-                <a16:creationId xmlns:a16="http://schemas.microsoft.com/office/drawing/2014/main" id="{561F61EB-0182-B789-A5A8-F3F63E27B9D1}"/>
+                <a16:creationId xmlns:a16="http://schemas.microsoft.com/office/drawing/2014/main" id="{51A29968-E954-0A27-4BCA-4575D22E1185}"/>
               </a:ext>
             </a:extLst>
           </p:cNvPr>
@@ -1808,7 +1808,7 @@
           <a:bodyPr/>
           <a:lstStyle/>
           <a:p>
-            <a:fld id="{C259B456-F7F9-4C5C-A112-F6D12A891093}" type="datetimeFigureOut">
+            <a:fld id="{53AB1D5A-2729-49E6-9993-AD376D288172}" type="datetimeFigureOut">
               <a:rPr lang="zh-CN" altLang="en-US" smtClean="0"/>
               <a:t>2024/3/10</a:t>
             </a:fld>
@@ -1821,7 +1821,7 @@
           <p:cNvPr id="8" name="页脚占位符 7">
             <a:extLst>
               <a:ext uri="{FF2B5EF4-FFF2-40B4-BE49-F238E27FC236}">
-                <a16:creationId xmlns:a16="http://schemas.microsoft.com/office/drawing/2014/main" id="{E0C48863-D1F1-7125-F00B-5DBE6F431886}"/>
+                <a16:creationId xmlns:a16="http://schemas.microsoft.com/office/drawing/2014/main" id="{6ADE5988-901C-A94C-1776-C3D04DBB9B61}"/>
               </a:ext>
             </a:extLst>
           </p:cNvPr>
@@ -1846,7 +1846,7 @@
           <p:cNvPr id="9" name="灯片编号占位符 8">
             <a:extLst>
               <a:ext uri="{FF2B5EF4-FFF2-40B4-BE49-F238E27FC236}">
-                <a16:creationId xmlns:a16="http://schemas.microsoft.com/office/drawing/2014/main" id="{83A87C33-F903-DE20-69B7-5E0124547993}"/>
+                <a16:creationId xmlns:a16="http://schemas.microsoft.com/office/drawing/2014/main" id="{3CB61C66-D95E-5630-6CE3-36AD12B4388B}"/>
               </a:ext>
             </a:extLst>
           </p:cNvPr>
@@ -1862,7 +1862,7 @@
           <a:bodyPr/>
           <a:lstStyle/>
           <a:p>
-            <a:fld id="{0F39D218-857E-43BE-A5CE-1D9A8D5E7F10}" type="slidenum">
+            <a:fld id="{46A1710B-950D-492C-AB16-7F655B3903CD}" type="slidenum">
               <a:rPr lang="zh-CN" altLang="en-US" smtClean="0"/>
               <a:t>‹#›</a:t>
             </a:fld>
@@ -1873,7 +1873,7 @@
     </p:spTree>
     <p:extLst>
       <p:ext uri="{BB962C8B-B14F-4D97-AF65-F5344CB8AC3E}">
-        <p14:creationId xmlns:p14="http://schemas.microsoft.com/office/powerpoint/2010/main" val="2219234434"/>
+        <p14:creationId xmlns:p14="http://schemas.microsoft.com/office/powerpoint/2010/main" val="881630834"/>
       </p:ext>
     </p:extLst>
   </p:cSld>
@@ -1905,7 +1905,7 @@
           <p:cNvPr id="2" name="标题 1">
             <a:extLst>
               <a:ext uri="{FF2B5EF4-FFF2-40B4-BE49-F238E27FC236}">
-                <a16:creationId xmlns:a16="http://schemas.microsoft.com/office/drawing/2014/main" id="{0BFCE512-B8BE-FC3E-78F6-9D47E87CB213}"/>
+                <a16:creationId xmlns:a16="http://schemas.microsoft.com/office/drawing/2014/main" id="{D4F579E9-65A8-B98C-EAAD-A91EA592B6BF}"/>
               </a:ext>
             </a:extLst>
           </p:cNvPr>
@@ -1933,7 +1933,7 @@
           <p:cNvPr id="3" name="日期占位符 2">
             <a:extLst>
               <a:ext uri="{FF2B5EF4-FFF2-40B4-BE49-F238E27FC236}">
-                <a16:creationId xmlns:a16="http://schemas.microsoft.com/office/drawing/2014/main" id="{0BCA21F7-E2EE-D5D0-A3D4-FD00F3B44B75}"/>
+                <a16:creationId xmlns:a16="http://schemas.microsoft.com/office/drawing/2014/main" id="{5F1C28D8-3F05-7EB6-89CA-D70E5A0A0183}"/>
               </a:ext>
             </a:extLst>
           </p:cNvPr>
@@ -1949,7 +1949,7 @@
           <a:bodyPr/>
           <a:lstStyle/>
           <a:p>
-            <a:fld id="{C259B456-F7F9-4C5C-A112-F6D12A891093}" type="datetimeFigureOut">
+            <a:fld id="{53AB1D5A-2729-49E6-9993-AD376D288172}" type="datetimeFigureOut">
               <a:rPr lang="zh-CN" altLang="en-US" smtClean="0"/>
               <a:t>2024/3/10</a:t>
             </a:fld>
@@ -1962,7 +1962,7 @@
           <p:cNvPr id="4" name="页脚占位符 3">
             <a:extLst>
               <a:ext uri="{FF2B5EF4-FFF2-40B4-BE49-F238E27FC236}">
-                <a16:creationId xmlns:a16="http://schemas.microsoft.com/office/drawing/2014/main" id="{186EEFED-427A-5C63-D21B-991318A2018F}"/>
+                <a16:creationId xmlns:a16="http://schemas.microsoft.com/office/drawing/2014/main" id="{BC787B8F-BF8B-1D2B-0004-068595D3FB93}"/>
               </a:ext>
             </a:extLst>
           </p:cNvPr>
@@ -1987,7 +1987,7 @@
           <p:cNvPr id="5" name="灯片编号占位符 4">
             <a:extLst>
               <a:ext uri="{FF2B5EF4-FFF2-40B4-BE49-F238E27FC236}">
-                <a16:creationId xmlns:a16="http://schemas.microsoft.com/office/drawing/2014/main" id="{42D1AB67-9E0D-2BE8-8ED5-D4911E91B14E}"/>
+                <a16:creationId xmlns:a16="http://schemas.microsoft.com/office/drawing/2014/main" id="{EF7250D8-53CB-999A-F37C-2F8C0983FB16}"/>
               </a:ext>
             </a:extLst>
           </p:cNvPr>
@@ -2003,7 +2003,7 @@
           <a:bodyPr/>
           <a:lstStyle/>
           <a:p>
-            <a:fld id="{0F39D218-857E-43BE-A5CE-1D9A8D5E7F10}" type="slidenum">
+            <a:fld id="{46A1710B-950D-492C-AB16-7F655B3903CD}" type="slidenum">
               <a:rPr lang="zh-CN" altLang="en-US" smtClean="0"/>
               <a:t>‹#›</a:t>
             </a:fld>
@@ -2014,7 +2014,7 @@
     </p:spTree>
     <p:extLst>
       <p:ext uri="{BB962C8B-B14F-4D97-AF65-F5344CB8AC3E}">
-        <p14:creationId xmlns:p14="http://schemas.microsoft.com/office/powerpoint/2010/main" val="1963469036"/>
+        <p14:creationId xmlns:p14="http://schemas.microsoft.com/office/powerpoint/2010/main" val="2859943533"/>
       </p:ext>
     </p:extLst>
   </p:cSld>
@@ -2046,7 +2046,7 @@
           <p:cNvPr id="2" name="日期占位符 1">
             <a:extLst>
               <a:ext uri="{FF2B5EF4-FFF2-40B4-BE49-F238E27FC236}">
-                <a16:creationId xmlns:a16="http://schemas.microsoft.com/office/drawing/2014/main" id="{46756590-CF37-AC8E-892D-3EE7C3BEB1AB}"/>
+                <a16:creationId xmlns:a16="http://schemas.microsoft.com/office/drawing/2014/main" id="{8B648718-D8B6-5031-2B0C-D679E5A23F1C}"/>
               </a:ext>
             </a:extLst>
           </p:cNvPr>
@@ -2062,7 +2062,7 @@
           <a:bodyPr/>
           <a:lstStyle/>
           <a:p>
-            <a:fld id="{C259B456-F7F9-4C5C-A112-F6D12A891093}" type="datetimeFigureOut">
+            <a:fld id="{53AB1D5A-2729-49E6-9993-AD376D288172}" type="datetimeFigureOut">
               <a:rPr lang="zh-CN" altLang="en-US" smtClean="0"/>
               <a:t>2024/3/10</a:t>
             </a:fld>
@@ -2075,7 +2075,7 @@
           <p:cNvPr id="3" name="页脚占位符 2">
             <a:extLst>
               <a:ext uri="{FF2B5EF4-FFF2-40B4-BE49-F238E27FC236}">
-                <a16:creationId xmlns:a16="http://schemas.microsoft.com/office/drawing/2014/main" id="{E4C3161B-B017-2A07-79EF-C8706FD04FD3}"/>
+                <a16:creationId xmlns:a16="http://schemas.microsoft.com/office/drawing/2014/main" id="{5982406E-68C4-F393-2509-55E52C1FC879}"/>
               </a:ext>
             </a:extLst>
           </p:cNvPr>
@@ -2100,7 +2100,7 @@
           <p:cNvPr id="4" name="灯片编号占位符 3">
             <a:extLst>
               <a:ext uri="{FF2B5EF4-FFF2-40B4-BE49-F238E27FC236}">
-                <a16:creationId xmlns:a16="http://schemas.microsoft.com/office/drawing/2014/main" id="{07D331D1-9AD6-CE21-CE7B-341087D75DEF}"/>
+                <a16:creationId xmlns:a16="http://schemas.microsoft.com/office/drawing/2014/main" id="{98E08245-CEE5-2A82-502E-1E241242499A}"/>
               </a:ext>
             </a:extLst>
           </p:cNvPr>
@@ -2116,7 +2116,7 @@
           <a:bodyPr/>
           <a:lstStyle/>
           <a:p>
-            <a:fld id="{0F39D218-857E-43BE-A5CE-1D9A8D5E7F10}" type="slidenum">
+            <a:fld id="{46A1710B-950D-492C-AB16-7F655B3903CD}" type="slidenum">
               <a:rPr lang="zh-CN" altLang="en-US" smtClean="0"/>
               <a:t>‹#›</a:t>
             </a:fld>
@@ -2127,7 +2127,7 @@
     </p:spTree>
     <p:extLst>
       <p:ext uri="{BB962C8B-B14F-4D97-AF65-F5344CB8AC3E}">
-        <p14:creationId xmlns:p14="http://schemas.microsoft.com/office/powerpoint/2010/main" val="1316731161"/>
+        <p14:creationId xmlns:p14="http://schemas.microsoft.com/office/powerpoint/2010/main" val="4191126697"/>
       </p:ext>
     </p:extLst>
   </p:cSld>
@@ -2159,7 +2159,7 @@
           <p:cNvPr id="2" name="标题 1">
             <a:extLst>
               <a:ext uri="{FF2B5EF4-FFF2-40B4-BE49-F238E27FC236}">
-                <a16:creationId xmlns:a16="http://schemas.microsoft.com/office/drawing/2014/main" id="{9E14469C-2E82-A1CE-34F0-EB67BFA15697}"/>
+                <a16:creationId xmlns:a16="http://schemas.microsoft.com/office/drawing/2014/main" id="{1C887F80-D72D-AB12-206D-FE73FE3F3AD9}"/>
               </a:ext>
             </a:extLst>
           </p:cNvPr>
@@ -2196,7 +2196,7 @@
           <p:cNvPr id="3" name="内容占位符 2">
             <a:extLst>
               <a:ext uri="{FF2B5EF4-FFF2-40B4-BE49-F238E27FC236}">
-                <a16:creationId xmlns:a16="http://schemas.microsoft.com/office/drawing/2014/main" id="{D655B641-96DE-84B0-2F45-147CAF7CB086}"/>
+                <a16:creationId xmlns:a16="http://schemas.microsoft.com/office/drawing/2014/main" id="{9FD78401-3380-A411-28F9-A31D81D2B89F}"/>
               </a:ext>
             </a:extLst>
           </p:cNvPr>
@@ -2286,7 +2286,7 @@
           <p:cNvPr id="4" name="文本占位符 3">
             <a:extLst>
               <a:ext uri="{FF2B5EF4-FFF2-40B4-BE49-F238E27FC236}">
-                <a16:creationId xmlns:a16="http://schemas.microsoft.com/office/drawing/2014/main" id="{AAA9B2B0-ABDB-621D-310B-EDAFABD0B7F6}"/>
+                <a16:creationId xmlns:a16="http://schemas.microsoft.com/office/drawing/2014/main" id="{02AF975B-F9DC-9E55-F840-CFE6C301AFCD}"/>
               </a:ext>
             </a:extLst>
           </p:cNvPr>
@@ -2357,7 +2357,7 @@
           <p:cNvPr id="5" name="日期占位符 4">
             <a:extLst>
               <a:ext uri="{FF2B5EF4-FFF2-40B4-BE49-F238E27FC236}">
-                <a16:creationId xmlns:a16="http://schemas.microsoft.com/office/drawing/2014/main" id="{3FE38F79-7339-EED1-8AA2-CD7138CF8FC3}"/>
+                <a16:creationId xmlns:a16="http://schemas.microsoft.com/office/drawing/2014/main" id="{89F0CB90-6A39-EB5A-BBF6-07A9A0EE0DE3}"/>
               </a:ext>
             </a:extLst>
           </p:cNvPr>
@@ -2373,7 +2373,7 @@
           <a:bodyPr/>
           <a:lstStyle/>
           <a:p>
-            <a:fld id="{C259B456-F7F9-4C5C-A112-F6D12A891093}" type="datetimeFigureOut">
+            <a:fld id="{53AB1D5A-2729-49E6-9993-AD376D288172}" type="datetimeFigureOut">
               <a:rPr lang="zh-CN" altLang="en-US" smtClean="0"/>
               <a:t>2024/3/10</a:t>
             </a:fld>
@@ -2386,7 +2386,7 @@
           <p:cNvPr id="6" name="页脚占位符 5">
             <a:extLst>
               <a:ext uri="{FF2B5EF4-FFF2-40B4-BE49-F238E27FC236}">
-                <a16:creationId xmlns:a16="http://schemas.microsoft.com/office/drawing/2014/main" id="{1DF79650-2002-AA03-8DBF-B5001EBCBF4D}"/>
+                <a16:creationId xmlns:a16="http://schemas.microsoft.com/office/drawing/2014/main" id="{CA0CA8DE-1461-2730-A10E-CF825B07790A}"/>
               </a:ext>
             </a:extLst>
           </p:cNvPr>
@@ -2411,7 +2411,7 @@
           <p:cNvPr id="7" name="灯片编号占位符 6">
             <a:extLst>
               <a:ext uri="{FF2B5EF4-FFF2-40B4-BE49-F238E27FC236}">
-                <a16:creationId xmlns:a16="http://schemas.microsoft.com/office/drawing/2014/main" id="{956F65A7-A7C5-3C28-50F6-C87699A77067}"/>
+                <a16:creationId xmlns:a16="http://schemas.microsoft.com/office/drawing/2014/main" id="{18F286B6-CCFF-34E1-C78A-E8110C433A26}"/>
               </a:ext>
             </a:extLst>
           </p:cNvPr>
@@ -2427,7 +2427,7 @@
           <a:bodyPr/>
           <a:lstStyle/>
           <a:p>
-            <a:fld id="{0F39D218-857E-43BE-A5CE-1D9A8D5E7F10}" type="slidenum">
+            <a:fld id="{46A1710B-950D-492C-AB16-7F655B3903CD}" type="slidenum">
               <a:rPr lang="zh-CN" altLang="en-US" smtClean="0"/>
               <a:t>‹#›</a:t>
             </a:fld>
@@ -2438,7 +2438,7 @@
     </p:spTree>
     <p:extLst>
       <p:ext uri="{BB962C8B-B14F-4D97-AF65-F5344CB8AC3E}">
-        <p14:creationId xmlns:p14="http://schemas.microsoft.com/office/powerpoint/2010/main" val="1623270689"/>
+        <p14:creationId xmlns:p14="http://schemas.microsoft.com/office/powerpoint/2010/main" val="461634843"/>
       </p:ext>
     </p:extLst>
   </p:cSld>
@@ -2470,7 +2470,7 @@
           <p:cNvPr id="2" name="标题 1">
             <a:extLst>
               <a:ext uri="{FF2B5EF4-FFF2-40B4-BE49-F238E27FC236}">
-                <a16:creationId xmlns:a16="http://schemas.microsoft.com/office/drawing/2014/main" id="{882C6F11-68C5-BF6C-AB72-A92B32A3415F}"/>
+                <a16:creationId xmlns:a16="http://schemas.microsoft.com/office/drawing/2014/main" id="{C29F91B3-B59C-D60E-B6EC-B17980E1EC21}"/>
               </a:ext>
             </a:extLst>
           </p:cNvPr>
@@ -2507,7 +2507,7 @@
           <p:cNvPr id="3" name="图片占位符 2">
             <a:extLst>
               <a:ext uri="{FF2B5EF4-FFF2-40B4-BE49-F238E27FC236}">
-                <a16:creationId xmlns:a16="http://schemas.microsoft.com/office/drawing/2014/main" id="{8021D371-662A-834B-3A9A-7DFE0730F1B0}"/>
+                <a16:creationId xmlns:a16="http://schemas.microsoft.com/office/drawing/2014/main" id="{589CDF11-47E5-1D2D-129D-8A6D8DF36D34}"/>
               </a:ext>
             </a:extLst>
           </p:cNvPr>
@@ -2574,7 +2574,7 @@
           <p:cNvPr id="4" name="文本占位符 3">
             <a:extLst>
               <a:ext uri="{FF2B5EF4-FFF2-40B4-BE49-F238E27FC236}">
-                <a16:creationId xmlns:a16="http://schemas.microsoft.com/office/drawing/2014/main" id="{5AC03338-0A8D-7763-305D-BB5668AF6FEC}"/>
+                <a16:creationId xmlns:a16="http://schemas.microsoft.com/office/drawing/2014/main" id="{84C88B35-6B66-5413-1425-F999809D6ED3}"/>
               </a:ext>
             </a:extLst>
           </p:cNvPr>
@@ -2645,7 +2645,7 @@
           <p:cNvPr id="5" name="日期占位符 4">
             <a:extLst>
               <a:ext uri="{FF2B5EF4-FFF2-40B4-BE49-F238E27FC236}">
-                <a16:creationId xmlns:a16="http://schemas.microsoft.com/office/drawing/2014/main" id="{28AE291D-C872-A1DA-1E4E-1B7413AD1BD7}"/>
+                <a16:creationId xmlns:a16="http://schemas.microsoft.com/office/drawing/2014/main" id="{8A163D49-D52B-4F4C-D408-B13A7978C75C}"/>
               </a:ext>
             </a:extLst>
           </p:cNvPr>
@@ -2661,7 +2661,7 @@
           <a:bodyPr/>
           <a:lstStyle/>
           <a:p>
-            <a:fld id="{C259B456-F7F9-4C5C-A112-F6D12A891093}" type="datetimeFigureOut">
+            <a:fld id="{53AB1D5A-2729-49E6-9993-AD376D288172}" type="datetimeFigureOut">
               <a:rPr lang="zh-CN" altLang="en-US" smtClean="0"/>
               <a:t>2024/3/10</a:t>
             </a:fld>
@@ -2674,7 +2674,7 @@
           <p:cNvPr id="6" name="页脚占位符 5">
             <a:extLst>
               <a:ext uri="{FF2B5EF4-FFF2-40B4-BE49-F238E27FC236}">
-                <a16:creationId xmlns:a16="http://schemas.microsoft.com/office/drawing/2014/main" id="{1425C451-6C1C-B09F-E4CC-C462DB1538B2}"/>
+                <a16:creationId xmlns:a16="http://schemas.microsoft.com/office/drawing/2014/main" id="{98762FC4-2689-BD10-05D8-2B8BC72255B3}"/>
               </a:ext>
             </a:extLst>
           </p:cNvPr>
@@ -2699,7 +2699,7 @@
           <p:cNvPr id="7" name="灯片编号占位符 6">
             <a:extLst>
               <a:ext uri="{FF2B5EF4-FFF2-40B4-BE49-F238E27FC236}">
-                <a16:creationId xmlns:a16="http://schemas.microsoft.com/office/drawing/2014/main" id="{31C2D412-BBE6-FB17-67F6-50732B1183F9}"/>
+                <a16:creationId xmlns:a16="http://schemas.microsoft.com/office/drawing/2014/main" id="{F19E4F03-6B91-0368-F0A2-CFAB7CEFA0F3}"/>
               </a:ext>
             </a:extLst>
           </p:cNvPr>
@@ -2715,7 +2715,7 @@
           <a:bodyPr/>
           <a:lstStyle/>
           <a:p>
-            <a:fld id="{0F39D218-857E-43BE-A5CE-1D9A8D5E7F10}" type="slidenum">
+            <a:fld id="{46A1710B-950D-492C-AB16-7F655B3903CD}" type="slidenum">
               <a:rPr lang="zh-CN" altLang="en-US" smtClean="0"/>
               <a:t>‹#›</a:t>
             </a:fld>
@@ -2726,7 +2726,7 @@
     </p:spTree>
     <p:extLst>
       <p:ext uri="{BB962C8B-B14F-4D97-AF65-F5344CB8AC3E}">
-        <p14:creationId xmlns:p14="http://schemas.microsoft.com/office/powerpoint/2010/main" val="464922100"/>
+        <p14:creationId xmlns:p14="http://schemas.microsoft.com/office/powerpoint/2010/main" val="3594572007"/>
       </p:ext>
     </p:extLst>
   </p:cSld>
@@ -2763,7 +2763,7 @@
           <p:cNvPr id="2" name="标题占位符 1">
             <a:extLst>
               <a:ext uri="{FF2B5EF4-FFF2-40B4-BE49-F238E27FC236}">
-                <a16:creationId xmlns:a16="http://schemas.microsoft.com/office/drawing/2014/main" id="{EDEC168E-84BC-D7DA-31C2-CDA4F815E8D4}"/>
+                <a16:creationId xmlns:a16="http://schemas.microsoft.com/office/drawing/2014/main" id="{713147C1-02BC-BCF6-25CC-F45B708ED938}"/>
               </a:ext>
             </a:extLst>
           </p:cNvPr>
@@ -2801,7 +2801,7 @@
           <p:cNvPr id="3" name="文本占位符 2">
             <a:extLst>
               <a:ext uri="{FF2B5EF4-FFF2-40B4-BE49-F238E27FC236}">
-                <a16:creationId xmlns:a16="http://schemas.microsoft.com/office/drawing/2014/main" id="{01330214-8A04-4585-8328-F6FF60B91729}"/>
+                <a16:creationId xmlns:a16="http://schemas.microsoft.com/office/drawing/2014/main" id="{A86948E0-F964-3274-FB9A-262388D9F730}"/>
               </a:ext>
             </a:extLst>
           </p:cNvPr>
@@ -2868,7 +2868,7 @@
           <p:cNvPr id="4" name="日期占位符 3">
             <a:extLst>
               <a:ext uri="{FF2B5EF4-FFF2-40B4-BE49-F238E27FC236}">
-                <a16:creationId xmlns:a16="http://schemas.microsoft.com/office/drawing/2014/main" id="{E4BDF1C3-6D9D-777D-9238-42B3A7B8F213}"/>
+                <a16:creationId xmlns:a16="http://schemas.microsoft.com/office/drawing/2014/main" id="{5E7DF704-6B7C-6DED-8118-349E1AF5BCB6}"/>
               </a:ext>
             </a:extLst>
           </p:cNvPr>
@@ -2902,7 +2902,7 @@
             </a:lvl1pPr>
           </a:lstStyle>
           <a:p>
-            <a:fld id="{C259B456-F7F9-4C5C-A112-F6D12A891093}" type="datetimeFigureOut">
+            <a:fld id="{53AB1D5A-2729-49E6-9993-AD376D288172}" type="datetimeFigureOut">
               <a:rPr lang="zh-CN" altLang="en-US" smtClean="0"/>
               <a:t>2024/3/10</a:t>
             </a:fld>
@@ -2915,7 +2915,7 @@
           <p:cNvPr id="5" name="页脚占位符 4">
             <a:extLst>
               <a:ext uri="{FF2B5EF4-FFF2-40B4-BE49-F238E27FC236}">
-                <a16:creationId xmlns:a16="http://schemas.microsoft.com/office/drawing/2014/main" id="{0B1EBFC0-A91B-9C71-E7FE-FCC03A865E85}"/>
+                <a16:creationId xmlns:a16="http://schemas.microsoft.com/office/drawing/2014/main" id="{27AC651F-9405-DA47-ADE2-2D05DECC652B}"/>
               </a:ext>
             </a:extLst>
           </p:cNvPr>
@@ -2958,7 +2958,7 @@
           <p:cNvPr id="6" name="灯片编号占位符 5">
             <a:extLst>
               <a:ext uri="{FF2B5EF4-FFF2-40B4-BE49-F238E27FC236}">
-                <a16:creationId xmlns:a16="http://schemas.microsoft.com/office/drawing/2014/main" id="{0EE1813E-A8E2-E5FB-3706-D0C94128EC05}"/>
+                <a16:creationId xmlns:a16="http://schemas.microsoft.com/office/drawing/2014/main" id="{3C5F805F-6EE9-A9F1-362B-0E8A5C993D39}"/>
               </a:ext>
             </a:extLst>
           </p:cNvPr>
@@ -2992,7 +2992,7 @@
             </a:lvl1pPr>
           </a:lstStyle>
           <a:p>
-            <a:fld id="{0F39D218-857E-43BE-A5CE-1D9A8D5E7F10}" type="slidenum">
+            <a:fld id="{46A1710B-950D-492C-AB16-7F655B3903CD}" type="slidenum">
               <a:rPr lang="zh-CN" altLang="en-US" smtClean="0"/>
               <a:t>‹#›</a:t>
             </a:fld>
@@ -3003,7 +3003,7 @@
     </p:spTree>
     <p:extLst>
       <p:ext uri="{BB962C8B-B14F-4D97-AF65-F5344CB8AC3E}">
-        <p14:creationId xmlns:p14="http://schemas.microsoft.com/office/powerpoint/2010/main" val="1746958125"/>
+        <p14:creationId xmlns:p14="http://schemas.microsoft.com/office/powerpoint/2010/main" val="1038148481"/>
       </p:ext>
     </p:extLst>
   </p:cSld>
@@ -3323,7 +3323,7 @@
       </p:grpSpPr>
       <p:pic>
         <p:nvPicPr>
-          <p:cNvPr id="1472514" name="Picture 2" descr="1437"/>
+          <p:cNvPr id="1473538" name="Picture 2" descr="1438"/>
           <p:cNvPicPr>
             <a:picLocks noChangeAspect="1" noChangeArrowheads="1"/>
           </p:cNvPicPr>
